--- a/images/building_blocks_12.2021.pptx
+++ b/images/building_blocks_12.2021.pptx
@@ -6,6 +6,7 @@
   </p:sldMasterIdLst>
   <p:sldIdLst>
     <p:sldId id="256" r:id="rId2"/>
+    <p:sldId id="257" r:id="rId3"/>
   </p:sldIdLst>
   <p:sldSz cx="9144000" cy="6858000" type="letter"/>
   <p:notesSz cx="7104063" cy="10234613"/>
@@ -254,7 +255,7 @@
           <a:p>
             <a:fld id="{19BADF72-325E-43EB-BEB9-117286B0BD6E}" type="datetimeFigureOut">
               <a:rPr lang="es-VE" smtClean="0"/>
-              <a:t>10/10/2021</a:t>
+              <a:t>14/12/2021</a:t>
             </a:fld>
             <a:endParaRPr lang="es-VE"/>
           </a:p>
@@ -424,7 +425,7 @@
           <a:p>
             <a:fld id="{19BADF72-325E-43EB-BEB9-117286B0BD6E}" type="datetimeFigureOut">
               <a:rPr lang="es-VE" smtClean="0"/>
-              <a:t>10/10/2021</a:t>
+              <a:t>14/12/2021</a:t>
             </a:fld>
             <a:endParaRPr lang="es-VE"/>
           </a:p>
@@ -604,7 +605,7 @@
           <a:p>
             <a:fld id="{19BADF72-325E-43EB-BEB9-117286B0BD6E}" type="datetimeFigureOut">
               <a:rPr lang="es-VE" smtClean="0"/>
-              <a:t>10/10/2021</a:t>
+              <a:t>14/12/2021</a:t>
             </a:fld>
             <a:endParaRPr lang="es-VE"/>
           </a:p>
@@ -774,7 +775,7 @@
           <a:p>
             <a:fld id="{19BADF72-325E-43EB-BEB9-117286B0BD6E}" type="datetimeFigureOut">
               <a:rPr lang="es-VE" smtClean="0"/>
-              <a:t>10/10/2021</a:t>
+              <a:t>14/12/2021</a:t>
             </a:fld>
             <a:endParaRPr lang="es-VE"/>
           </a:p>
@@ -1018,7 +1019,7 @@
           <a:p>
             <a:fld id="{19BADF72-325E-43EB-BEB9-117286B0BD6E}" type="datetimeFigureOut">
               <a:rPr lang="es-VE" smtClean="0"/>
-              <a:t>10/10/2021</a:t>
+              <a:t>14/12/2021</a:t>
             </a:fld>
             <a:endParaRPr lang="es-VE"/>
           </a:p>
@@ -1250,7 +1251,7 @@
           <a:p>
             <a:fld id="{19BADF72-325E-43EB-BEB9-117286B0BD6E}" type="datetimeFigureOut">
               <a:rPr lang="es-VE" smtClean="0"/>
-              <a:t>10/10/2021</a:t>
+              <a:t>14/12/2021</a:t>
             </a:fld>
             <a:endParaRPr lang="es-VE"/>
           </a:p>
@@ -1617,7 +1618,7 @@
           <a:p>
             <a:fld id="{19BADF72-325E-43EB-BEB9-117286B0BD6E}" type="datetimeFigureOut">
               <a:rPr lang="es-VE" smtClean="0"/>
-              <a:t>10/10/2021</a:t>
+              <a:t>14/12/2021</a:t>
             </a:fld>
             <a:endParaRPr lang="es-VE"/>
           </a:p>
@@ -1735,7 +1736,7 @@
           <a:p>
             <a:fld id="{19BADF72-325E-43EB-BEB9-117286B0BD6E}" type="datetimeFigureOut">
               <a:rPr lang="es-VE" smtClean="0"/>
-              <a:t>10/10/2021</a:t>
+              <a:t>14/12/2021</a:t>
             </a:fld>
             <a:endParaRPr lang="es-VE"/>
           </a:p>
@@ -1830,7 +1831,7 @@
           <a:p>
             <a:fld id="{19BADF72-325E-43EB-BEB9-117286B0BD6E}" type="datetimeFigureOut">
               <a:rPr lang="es-VE" smtClean="0"/>
-              <a:t>10/10/2021</a:t>
+              <a:t>14/12/2021</a:t>
             </a:fld>
             <a:endParaRPr lang="es-VE"/>
           </a:p>
@@ -2107,7 +2108,7 @@
           <a:p>
             <a:fld id="{19BADF72-325E-43EB-BEB9-117286B0BD6E}" type="datetimeFigureOut">
               <a:rPr lang="es-VE" smtClean="0"/>
-              <a:t>10/10/2021</a:t>
+              <a:t>14/12/2021</a:t>
             </a:fld>
             <a:endParaRPr lang="es-VE"/>
           </a:p>
@@ -2364,7 +2365,7 @@
           <a:p>
             <a:fld id="{19BADF72-325E-43EB-BEB9-117286B0BD6E}" type="datetimeFigureOut">
               <a:rPr lang="es-VE" smtClean="0"/>
-              <a:t>10/10/2021</a:t>
+              <a:t>14/12/2021</a:t>
             </a:fld>
             <a:endParaRPr lang="es-VE"/>
           </a:p>
@@ -2577,7 +2578,7 @@
           <a:p>
             <a:fld id="{19BADF72-325E-43EB-BEB9-117286B0BD6E}" type="datetimeFigureOut">
               <a:rPr lang="es-VE" smtClean="0"/>
-              <a:t>10/10/2021</a:t>
+              <a:t>14/12/2021</a:t>
             </a:fld>
             <a:endParaRPr lang="es-VE"/>
           </a:p>
@@ -4807,6 +4808,65 @@
 </p:sld>
 </file>
 
+<file path=ppt/slides/slide2.xml><?xml version="1.0" encoding="utf-8"?>
+<p:sld xmlns:a="http://schemas.openxmlformats.org/drawingml/2006/main" xmlns:r="http://schemas.openxmlformats.org/officeDocument/2006/relationships" xmlns:p="http://schemas.openxmlformats.org/presentationml/2006/main">
+  <p:cSld>
+    <p:spTree>
+      <p:nvGrpSpPr>
+        <p:cNvPr id="1" name=""/>
+        <p:cNvGrpSpPr/>
+        <p:nvPr/>
+      </p:nvGrpSpPr>
+      <p:grpSpPr>
+        <a:xfrm>
+          <a:off x="0" y="0"/>
+          <a:ext cx="0" cy="0"/>
+          <a:chOff x="0" y="0"/>
+          <a:chExt cx="0" cy="0"/>
+        </a:xfrm>
+      </p:grpSpPr>
+      <p:pic>
+        <p:nvPicPr>
+          <p:cNvPr id="4" name="Grafik 3">
+            <a:extLst>
+              <a:ext uri="{FF2B5EF4-FFF2-40B4-BE49-F238E27FC236}">
+                <a16:creationId xmlns:a16="http://schemas.microsoft.com/office/drawing/2014/main" id="{3A3E14DB-0398-4F46-B5A4-66973D414A53}"/>
+              </a:ext>
+            </a:extLst>
+          </p:cNvPr>
+          <p:cNvPicPr>
+            <a:picLocks noChangeAspect="1"/>
+          </p:cNvPicPr>
+          <p:nvPr/>
+        </p:nvPicPr>
+        <p:blipFill rotWithShape="1">
+          <a:blip r:embed="rId2"/>
+          <a:srcRect l="30388" t="19234" r="16019" b="9137"/>
+          <a:stretch/>
+        </p:blipFill>
+        <p:spPr>
+          <a:xfrm>
+            <a:off x="0" y="-1"/>
+            <a:ext cx="9144000" cy="6874567"/>
+          </a:xfrm>
+          <a:prstGeom prst="rect">
+            <a:avLst/>
+          </a:prstGeom>
+        </p:spPr>
+      </p:pic>
+    </p:spTree>
+    <p:extLst>
+      <p:ext uri="{BB962C8B-B14F-4D97-AF65-F5344CB8AC3E}">
+        <p14:creationId xmlns:p14="http://schemas.microsoft.com/office/powerpoint/2010/main" val="1452790590"/>
+      </p:ext>
+    </p:extLst>
+  </p:cSld>
+  <p:clrMapOvr>
+    <a:masterClrMapping/>
+  </p:clrMapOvr>
+</p:sld>
+</file>
+
 <file path=ppt/theme/theme1.xml><?xml version="1.0" encoding="utf-8"?>
 <a:theme xmlns:a="http://schemas.openxmlformats.org/drawingml/2006/main" name="Tema de Office">
   <a:themeElements>

--- a/images/building_blocks_12.2021.pptx
+++ b/images/building_blocks_12.2021.pptx
@@ -4827,10 +4827,10 @@
       </p:grpSpPr>
       <p:pic>
         <p:nvPicPr>
-          <p:cNvPr id="4" name="Grafik 3">
+          <p:cNvPr id="2" name="Grafik 1">
             <a:extLst>
               <a:ext uri="{FF2B5EF4-FFF2-40B4-BE49-F238E27FC236}">
-                <a16:creationId xmlns:a16="http://schemas.microsoft.com/office/drawing/2014/main" id="{3A3E14DB-0398-4F46-B5A4-66973D414A53}"/>
+                <a16:creationId xmlns:a16="http://schemas.microsoft.com/office/drawing/2014/main" id="{D327001D-0A44-4861-80B1-963F2678E9A7}"/>
               </a:ext>
             </a:extLst>
           </p:cNvPr>
@@ -4841,13 +4841,13 @@
         </p:nvPicPr>
         <p:blipFill rotWithShape="1">
           <a:blip r:embed="rId2"/>
-          <a:srcRect l="30388" t="19234" r="16019" b="9137"/>
+          <a:srcRect l="12524" r="12524"/>
           <a:stretch/>
         </p:blipFill>
         <p:spPr>
           <a:xfrm>
-            <a:off x="0" y="-1"/>
-            <a:ext cx="9144000" cy="6874567"/>
+            <a:off x="0" y="0"/>
+            <a:ext cx="9144000" cy="6862440"/>
           </a:xfrm>
           <a:prstGeom prst="rect">
             <a:avLst/>
